--- a/Cryogenic Material Library – An Overview.pptx
+++ b/Cryogenic Material Library – An Overview.pptx
@@ -6,7 +6,7 @@
     <p:sldMasterId id="2147483661" r:id="rId2"/>
   </p:sldMasterIdLst>
   <p:notesMasterIdLst>
-    <p:notesMasterId r:id="rId14"/>
+    <p:notesMasterId r:id="rId16"/>
   </p:notesMasterIdLst>
   <p:sldIdLst>
     <p:sldId id="256" r:id="rId3"/>
@@ -20,6 +20,8 @@
     <p:sldId id="264" r:id="rId11"/>
     <p:sldId id="265" r:id="rId12"/>
     <p:sldId id="266" r:id="rId13"/>
+    <p:sldId id="267" r:id="rId14"/>
+    <p:sldId id="268" r:id="rId15"/>
   </p:sldIdLst>
   <p:sldSz cx="12192000" cy="6858000"/>
   <p:notesSz cx="6858000" cy="9144000"/>
@@ -126,6 +128,97 @@
 </p:presentation>
 </file>
 
+<file path=ppt/revisionInfo.xml><?xml version="1.0" encoding="utf-8"?>
+<p1510:revInfo xmlns:a="http://schemas.openxmlformats.org/drawingml/2006/main" xmlns:r="http://schemas.openxmlformats.org/officeDocument/2006/relationships" xmlns:p1510="http://schemas.microsoft.com/office/powerpoint/2015/10/main">
+  <p1510:revLst>
+    <p1510:client id="{97B025E6-ADCE-455F-A765-8AB31C402604}" v="5" dt="2024-07-24T23:05:51.811"/>
+  </p1510:revLst>
+</p1510:revInfo>
+</file>
+
+<file path=ppt/changesInfos/changesInfo1.xml><?xml version="1.0" encoding="utf-8"?>
+<pc:chgInfo xmlns:a="http://schemas.openxmlformats.org/drawingml/2006/main" xmlns:r="http://schemas.openxmlformats.org/officeDocument/2006/relationships" xmlns:ac="http://schemas.microsoft.com/office/drawing/2013/main/command" xmlns:pc="http://schemas.microsoft.com/office/powerpoint/2013/main/command">
+  <pc:docChgLst>
+    <pc:chgData name="Nachman, Henry E" userId="61b6d401-6236-4eef-ad41-387b716cd9c6" providerId="ADAL" clId="{97B025E6-ADCE-455F-A765-8AB31C402604}"/>
+    <pc:docChg chg="custSel addSld modSld">
+      <pc:chgData name="Nachman, Henry E" userId="61b6d401-6236-4eef-ad41-387b716cd9c6" providerId="ADAL" clId="{97B025E6-ADCE-455F-A765-8AB31C402604}" dt="2024-07-24T22:57:19.328" v="1319" actId="14100"/>
+      <pc:docMkLst>
+        <pc:docMk/>
+      </pc:docMkLst>
+      <pc:sldChg chg="addSp modSp mod">
+        <pc:chgData name="Nachman, Henry E" userId="61b6d401-6236-4eef-ad41-387b716cd9c6" providerId="ADAL" clId="{97B025E6-ADCE-455F-A765-8AB31C402604}" dt="2024-07-24T22:57:19.328" v="1319" actId="14100"/>
+        <pc:sldMkLst>
+          <pc:docMk/>
+          <pc:sldMk cId="3380776311" sldId="265"/>
+        </pc:sldMkLst>
+        <pc:spChg chg="add mod">
+          <ac:chgData name="Nachman, Henry E" userId="61b6d401-6236-4eef-ad41-387b716cd9c6" providerId="ADAL" clId="{97B025E6-ADCE-455F-A765-8AB31C402604}" dt="2024-07-24T22:57:19.328" v="1319" actId="14100"/>
+          <ac:spMkLst>
+            <pc:docMk/>
+            <pc:sldMk cId="3380776311" sldId="265"/>
+            <ac:spMk id="8" creationId="{A062A09C-DC2B-94B2-111C-89E0F82D68DE}"/>
+          </ac:spMkLst>
+        </pc:spChg>
+        <pc:cxnChg chg="add mod">
+          <ac:chgData name="Nachman, Henry E" userId="61b6d401-6236-4eef-ad41-387b716cd9c6" providerId="ADAL" clId="{97B025E6-ADCE-455F-A765-8AB31C402604}" dt="2024-07-24T22:57:05.064" v="1292" actId="14100"/>
+          <ac:cxnSpMkLst>
+            <pc:docMk/>
+            <pc:sldMk cId="3380776311" sldId="265"/>
+            <ac:cxnSpMk id="2" creationId="{7AC76CC3-7F69-86F9-3382-0610EB760957}"/>
+          </ac:cxnSpMkLst>
+        </pc:cxnChg>
+      </pc:sldChg>
+      <pc:sldChg chg="modSp new mod modClrScheme chgLayout">
+        <pc:chgData name="Nachman, Henry E" userId="61b6d401-6236-4eef-ad41-387b716cd9c6" providerId="ADAL" clId="{97B025E6-ADCE-455F-A765-8AB31C402604}" dt="2024-07-23T19:52:49.981" v="894" actId="20577"/>
+        <pc:sldMkLst>
+          <pc:docMk/>
+          <pc:sldMk cId="1423944043" sldId="267"/>
+        </pc:sldMkLst>
+        <pc:spChg chg="mod ord">
+          <ac:chgData name="Nachman, Henry E" userId="61b6d401-6236-4eef-ad41-387b716cd9c6" providerId="ADAL" clId="{97B025E6-ADCE-455F-A765-8AB31C402604}" dt="2024-07-23T19:34:28.280" v="91" actId="700"/>
+          <ac:spMkLst>
+            <pc:docMk/>
+            <pc:sldMk cId="1423944043" sldId="267"/>
+            <ac:spMk id="2" creationId="{038BD9D9-0437-1BFC-C572-3F15D4EF1990}"/>
+          </ac:spMkLst>
+        </pc:spChg>
+        <pc:spChg chg="mod ord">
+          <ac:chgData name="Nachman, Henry E" userId="61b6d401-6236-4eef-ad41-387b716cd9c6" providerId="ADAL" clId="{97B025E6-ADCE-455F-A765-8AB31C402604}" dt="2024-07-23T19:52:49.981" v="894" actId="20577"/>
+          <ac:spMkLst>
+            <pc:docMk/>
+            <pc:sldMk cId="1423944043" sldId="267"/>
+            <ac:spMk id="3" creationId="{1EC253B8-DAB3-AB30-42B3-CF166978DC81}"/>
+          </ac:spMkLst>
+        </pc:spChg>
+      </pc:sldChg>
+      <pc:sldChg chg="modSp new mod">
+        <pc:chgData name="Nachman, Henry E" userId="61b6d401-6236-4eef-ad41-387b716cd9c6" providerId="ADAL" clId="{97B025E6-ADCE-455F-A765-8AB31C402604}" dt="2024-07-24T22:56:38.269" v="1289" actId="20577"/>
+        <pc:sldMkLst>
+          <pc:docMk/>
+          <pc:sldMk cId="2171306422" sldId="268"/>
+        </pc:sldMkLst>
+        <pc:spChg chg="mod">
+          <ac:chgData name="Nachman, Henry E" userId="61b6d401-6236-4eef-ad41-387b716cd9c6" providerId="ADAL" clId="{97B025E6-ADCE-455F-A765-8AB31C402604}" dt="2024-07-23T19:46:27.272" v="790" actId="20577"/>
+          <ac:spMkLst>
+            <pc:docMk/>
+            <pc:sldMk cId="2171306422" sldId="268"/>
+            <ac:spMk id="2" creationId="{ADB51ADE-7021-D39C-CAC0-0ECAE6534EBA}"/>
+          </ac:spMkLst>
+        </pc:spChg>
+        <pc:spChg chg="mod">
+          <ac:chgData name="Nachman, Henry E" userId="61b6d401-6236-4eef-ad41-387b716cd9c6" providerId="ADAL" clId="{97B025E6-ADCE-455F-A765-8AB31C402604}" dt="2024-07-24T22:56:38.269" v="1289" actId="20577"/>
+          <ac:spMkLst>
+            <pc:docMk/>
+            <pc:sldMk cId="2171306422" sldId="268"/>
+            <ac:spMk id="3" creationId="{08BA8F44-2D97-85BD-0CAE-AF6FC9C6AC01}"/>
+          </ac:spMkLst>
+        </pc:spChg>
+      </pc:sldChg>
+    </pc:docChg>
+  </pc:docChgLst>
+</pc:chgInfo>
+</file>
+
 <file path=ppt/notesMasters/notesMaster1.xml><?xml version="1.0" encoding="utf-8"?>
 <p:notesMaster xmlns:a="http://schemas.openxmlformats.org/drawingml/2006/main" xmlns:r="http://schemas.openxmlformats.org/officeDocument/2006/relationships" xmlns:p="http://schemas.openxmlformats.org/presentationml/2006/main">
   <p:cSld>
@@ -208,7 +301,7 @@
           <a:p>
             <a:fld id="{5FC74DD2-77AE-4FFB-A700-F39F229BC1BF}" type="datetimeFigureOut">
               <a:rPr lang="en-US" smtClean="0"/>
-              <a:t>7/22/2024</a:t>
+              <a:t>7/24/2024</a:t>
             </a:fld>
             <a:endParaRPr lang="en-US"/>
           </a:p>
@@ -1115,11 +1208,10 @@
           <a:bodyPr/>
           <a:lstStyle/>
           <a:p>
-            <a:fld id="{3BC3675C-A333-4FA7-9272-8B5FEC5B6D54}" type="datetime3">
-              <a:rPr lang="en-US" smtClean="0"/>
-              <a:t>22 July 2024</a:t>
-            </a:fld>
-            <a:endParaRPr lang="en-US"/>
+            <a:r>
+              <a:rPr lang="en-US"/>
+              <a:t>07 August 2024</a:t>
+            </a:r>
           </a:p>
         </p:txBody>
       </p:sp>
@@ -1313,11 +1405,10 @@
           <a:bodyPr/>
           <a:lstStyle/>
           <a:p>
-            <a:fld id="{EB841078-F315-487E-9F99-1806FD41D9BC}" type="datetime3">
-              <a:rPr lang="en-US" smtClean="0"/>
-              <a:t>22 July 2024</a:t>
-            </a:fld>
-            <a:endParaRPr lang="en-US"/>
+            <a:r>
+              <a:rPr lang="en-US"/>
+              <a:t>07 August 2024</a:t>
+            </a:r>
           </a:p>
         </p:txBody>
       </p:sp>
@@ -1521,11 +1612,10 @@
           <a:bodyPr/>
           <a:lstStyle/>
           <a:p>
-            <a:fld id="{B915CBEE-2338-4D47-BF50-D4899E9625CB}" type="datetime3">
-              <a:rPr lang="en-US" smtClean="0"/>
-              <a:t>22 July 2024</a:t>
-            </a:fld>
-            <a:endParaRPr lang="en-US"/>
+            <a:r>
+              <a:rPr lang="en-US"/>
+              <a:t>07 August 2024</a:t>
+            </a:r>
           </a:p>
         </p:txBody>
       </p:sp>
@@ -2571,11 +2661,10 @@
           <a:bodyPr/>
           <a:lstStyle/>
           <a:p>
-            <a:fld id="{E72B72F1-B226-46F3-95CB-1D8887D7034F}" type="datetimeFigureOut">
-              <a:rPr lang="en-US" smtClean="0"/>
-              <a:pPr/>
-              <a:t>7/22/2024</a:t>
-            </a:fld>
+            <a:r>
+              <a:rPr lang="en-US"/>
+              <a:t>07 August 2024</a:t>
+            </a:r>
             <a:endParaRPr lang="en-US" dirty="0"/>
           </a:p>
         </p:txBody>
@@ -2847,11 +2936,10 @@
           <a:bodyPr/>
           <a:lstStyle/>
           <a:p>
-            <a:fld id="{E72B72F1-B226-46F3-95CB-1D8887D7034F}" type="datetimeFigureOut">
-              <a:rPr lang="en-US" smtClean="0"/>
-              <a:pPr/>
-              <a:t>7/22/2024</a:t>
-            </a:fld>
+            <a:r>
+              <a:rPr lang="en-US"/>
+              <a:t>07 August 2024</a:t>
+            </a:r>
             <a:endParaRPr lang="en-US" dirty="0"/>
           </a:p>
         </p:txBody>
@@ -3113,11 +3201,10 @@
           <a:bodyPr/>
           <a:lstStyle/>
           <a:p>
-            <a:fld id="{E72B72F1-B226-46F3-95CB-1D8887D7034F}" type="datetimeFigureOut">
-              <a:rPr lang="en-US" smtClean="0"/>
-              <a:pPr/>
-              <a:t>7/22/2024</a:t>
-            </a:fld>
+            <a:r>
+              <a:rPr lang="en-US"/>
+              <a:t>07 August 2024</a:t>
+            </a:r>
             <a:endParaRPr lang="en-US" dirty="0"/>
           </a:p>
         </p:txBody>
@@ -3526,11 +3613,10 @@
           <a:bodyPr/>
           <a:lstStyle/>
           <a:p>
-            <a:fld id="{E72B72F1-B226-46F3-95CB-1D8887D7034F}" type="datetimeFigureOut">
-              <a:rPr lang="en-US" smtClean="0"/>
-              <a:pPr/>
-              <a:t>7/22/2024</a:t>
-            </a:fld>
+            <a:r>
+              <a:rPr lang="en-US"/>
+              <a:t>07 August 2024</a:t>
+            </a:r>
             <a:endParaRPr lang="en-US" dirty="0"/>
           </a:p>
         </p:txBody>
@@ -3668,11 +3754,10 @@
           <a:bodyPr/>
           <a:lstStyle/>
           <a:p>
-            <a:fld id="{E72B72F1-B226-46F3-95CB-1D8887D7034F}" type="datetimeFigureOut">
-              <a:rPr lang="en-US" smtClean="0"/>
-              <a:pPr/>
-              <a:t>7/22/2024</a:t>
-            </a:fld>
+            <a:r>
+              <a:rPr lang="en-US"/>
+              <a:t>07 August 2024</a:t>
+            </a:r>
             <a:endParaRPr lang="en-US" dirty="0"/>
           </a:p>
         </p:txBody>
@@ -4210,11 +4295,10 @@
           <a:bodyPr/>
           <a:lstStyle/>
           <a:p>
-            <a:fld id="{E72B72F1-B226-46F3-95CB-1D8887D7034F}" type="datetimeFigureOut">
-              <a:rPr lang="en-US" smtClean="0"/>
-              <a:pPr/>
-              <a:t>7/22/2024</a:t>
-            </a:fld>
+            <a:r>
+              <a:rPr lang="en-US"/>
+              <a:t>07 August 2024</a:t>
+            </a:r>
             <a:endParaRPr lang="en-US" dirty="0"/>
           </a:p>
         </p:txBody>
@@ -4522,11 +4606,10 @@
           <a:bodyPr/>
           <a:lstStyle/>
           <a:p>
-            <a:fld id="{E72B72F1-B226-46F3-95CB-1D8887D7034F}" type="datetimeFigureOut">
-              <a:rPr lang="en-US" smtClean="0"/>
-              <a:pPr/>
-              <a:t>7/22/2024</a:t>
-            </a:fld>
+            <a:r>
+              <a:rPr lang="en-US"/>
+              <a:t>07 August 2024</a:t>
+            </a:r>
             <a:endParaRPr lang="en-US" dirty="0"/>
           </a:p>
         </p:txBody>
@@ -4811,11 +4894,10 @@
           <a:bodyPr/>
           <a:lstStyle/>
           <a:p>
-            <a:fld id="{E72B72F1-B226-46F3-95CB-1D8887D7034F}" type="datetimeFigureOut">
-              <a:rPr lang="en-US" smtClean="0"/>
-              <a:pPr/>
-              <a:t>7/22/2024</a:t>
-            </a:fld>
+            <a:r>
+              <a:rPr lang="en-US"/>
+              <a:t>07 August 2024</a:t>
+            </a:r>
             <a:endParaRPr lang="en-US" dirty="0"/>
           </a:p>
         </p:txBody>
@@ -5010,11 +5092,10 @@
           <a:bodyPr/>
           <a:lstStyle/>
           <a:p>
-            <a:fld id="{E72B72F1-B226-46F3-95CB-1D8887D7034F}" type="datetimeFigureOut">
-              <a:rPr lang="en-US" smtClean="0"/>
-              <a:pPr/>
-              <a:t>7/22/2024</a:t>
-            </a:fld>
+            <a:r>
+              <a:rPr lang="en-US"/>
+              <a:t>07 August 2024</a:t>
+            </a:r>
             <a:endParaRPr lang="en-US" dirty="0"/>
           </a:p>
         </p:txBody>
@@ -5219,11 +5300,10 @@
           <a:bodyPr/>
           <a:lstStyle/>
           <a:p>
-            <a:fld id="{E72B72F1-B226-46F3-95CB-1D8887D7034F}" type="datetimeFigureOut">
-              <a:rPr lang="en-US" smtClean="0"/>
-              <a:pPr/>
-              <a:t>7/22/2024</a:t>
-            </a:fld>
+            <a:r>
+              <a:rPr lang="en-US"/>
+              <a:t>07 August 2024</a:t>
+            </a:r>
             <a:endParaRPr lang="en-US" dirty="0"/>
           </a:p>
         </p:txBody>
@@ -5431,10 +5511,10 @@
             </a:lvl1pPr>
           </a:lstStyle>
           <a:p>
-            <a:fld id="{7A8DC3D6-22DD-40D5-B71E-DDB999FA63A6}" type="datetime3">
-              <a:rPr lang="en-US" smtClean="0"/>
-              <a:t>22 July 2024</a:t>
-            </a:fld>
+            <a:r>
+              <a:rPr lang="en-US"/>
+              <a:t>07 August 2024</a:t>
+            </a:r>
             <a:endParaRPr lang="en-US" dirty="0"/>
           </a:p>
         </p:txBody>
@@ -5733,11 +5813,10 @@
           <a:bodyPr/>
           <a:lstStyle/>
           <a:p>
-            <a:fld id="{89EF7F6A-9F42-43C4-A434-A51FD24144D3}" type="datetime3">
-              <a:rPr lang="en-US" smtClean="0"/>
-              <a:t>22 July 2024</a:t>
-            </a:fld>
-            <a:endParaRPr lang="en-US"/>
+            <a:r>
+              <a:rPr lang="en-US"/>
+              <a:t>07 August 2024</a:t>
+            </a:r>
           </a:p>
         </p:txBody>
       </p:sp>
@@ -5998,11 +6077,10 @@
           <a:bodyPr/>
           <a:lstStyle/>
           <a:p>
-            <a:fld id="{FD6103DE-AC53-464F-A340-E5677B532A86}" type="datetime3">
-              <a:rPr lang="en-US" smtClean="0"/>
-              <a:t>22 July 2024</a:t>
-            </a:fld>
-            <a:endParaRPr lang="en-US"/>
+            <a:r>
+              <a:rPr lang="en-US"/>
+              <a:t>07 August 2024</a:t>
+            </a:r>
           </a:p>
         </p:txBody>
       </p:sp>
@@ -6410,11 +6488,10 @@
           <a:bodyPr/>
           <a:lstStyle/>
           <a:p>
-            <a:fld id="{B7513E5A-C84C-4E51-BC9E-18DC6E997747}" type="datetime3">
-              <a:rPr lang="en-US" smtClean="0"/>
-              <a:t>22 July 2024</a:t>
-            </a:fld>
-            <a:endParaRPr lang="en-US"/>
+            <a:r>
+              <a:rPr lang="en-US"/>
+              <a:t>07 August 2024</a:t>
+            </a:r>
           </a:p>
         </p:txBody>
       </p:sp>
@@ -6551,11 +6628,10 @@
           <a:bodyPr/>
           <a:lstStyle/>
           <a:p>
-            <a:fld id="{59D22BC9-2C6A-4CD0-ADBA-22AB8A76FE7B}" type="datetime3">
-              <a:rPr lang="en-US" smtClean="0"/>
-              <a:t>22 July 2024</a:t>
-            </a:fld>
-            <a:endParaRPr lang="en-US"/>
+            <a:r>
+              <a:rPr lang="en-US"/>
+              <a:t>07 August 2024</a:t>
+            </a:r>
           </a:p>
         </p:txBody>
       </p:sp>
@@ -6664,11 +6740,10 @@
           <a:bodyPr/>
           <a:lstStyle/>
           <a:p>
-            <a:fld id="{CF1798E0-C096-4A39-B8B0-D8C78DB6662F}" type="datetime3">
-              <a:rPr lang="en-US" smtClean="0"/>
-              <a:t>22 July 2024</a:t>
-            </a:fld>
-            <a:endParaRPr lang="en-US"/>
+            <a:r>
+              <a:rPr lang="en-US"/>
+              <a:t>07 August 2024</a:t>
+            </a:r>
           </a:p>
         </p:txBody>
       </p:sp>
@@ -6975,11 +7050,10 @@
           <a:bodyPr/>
           <a:lstStyle/>
           <a:p>
-            <a:fld id="{0E876A28-CFDF-4932-B5FE-AEC4292E4ACA}" type="datetime3">
-              <a:rPr lang="en-US" smtClean="0"/>
-              <a:t>22 July 2024</a:t>
-            </a:fld>
-            <a:endParaRPr lang="en-US"/>
+            <a:r>
+              <a:rPr lang="en-US"/>
+              <a:t>07 August 2024</a:t>
+            </a:r>
           </a:p>
         </p:txBody>
       </p:sp>
@@ -7268,10 +7342,10 @@
             </a:lvl1pPr>
           </a:lstStyle>
           <a:p>
-            <a:fld id="{BDB1A1F2-39DB-44B2-A5A3-C5245BF0DBC6}" type="datetime3">
-              <a:rPr lang="en-US" smtClean="0"/>
-              <a:t>22 July 2024</a:t>
-            </a:fld>
+            <a:r>
+              <a:rPr lang="en-US"/>
+              <a:t>07 August 2024</a:t>
+            </a:r>
             <a:endParaRPr lang="en-US" dirty="0"/>
           </a:p>
         </p:txBody>
@@ -7944,11 +8018,10 @@
             </a:lvl1pPr>
           </a:lstStyle>
           <a:p>
-            <a:fld id="{E72B72F1-B226-46F3-95CB-1D8887D7034F}" type="datetimeFigureOut">
-              <a:rPr lang="en-US" smtClean="0"/>
-              <a:pPr/>
-              <a:t>7/22/2024</a:t>
-            </a:fld>
+            <a:r>
+              <a:rPr lang="en-US"/>
+              <a:t>07 August 2024</a:t>
+            </a:r>
             <a:endParaRPr lang="en-US" dirty="0"/>
           </a:p>
         </p:txBody>
@@ -8062,6 +8135,7 @@
     <p:sldLayoutId id="2147483671" r:id="rId11"/>
     <p:sldLayoutId id="2147483672" r:id="rId12"/>
   </p:sldLayoutIdLst>
+  <p:hf hdr="0" ftr="0"/>
   <p:txStyles>
     <p:titleStyle>
       <a:lvl1pPr algn="l" defTabSz="914400" rtl="0" eaLnBrk="1" latinLnBrk="0" hangingPunct="1">
@@ -8630,6 +8704,149 @@
           </a:fontRef>
         </p:style>
       </p:cxnSp>
+      <p:cxnSp>
+        <p:nvCxnSpPr>
+          <p:cNvPr id="2" name="Straight Arrow Connector 1">
+            <a:extLst>
+              <a:ext uri="{FF2B5EF4-FFF2-40B4-BE49-F238E27FC236}">
+                <a16:creationId xmlns:a16="http://schemas.microsoft.com/office/drawing/2014/main" id="{7AC76CC3-7F69-86F9-3382-0610EB760957}"/>
+              </a:ext>
+            </a:extLst>
+          </p:cNvPr>
+          <p:cNvCxnSpPr>
+            <a:cxnSpLocks/>
+          </p:cNvCxnSpPr>
+          <p:nvPr/>
+        </p:nvCxnSpPr>
+        <p:spPr>
+          <a:xfrm flipH="1">
+            <a:off x="2357592" y="3909527"/>
+            <a:ext cx="936114" cy="159478"/>
+          </a:xfrm>
+          <a:prstGeom prst="straightConnector1">
+            <a:avLst/>
+          </a:prstGeom>
+          <a:ln w="38100">
+            <a:solidFill>
+              <a:srgbClr val="FF0000"/>
+            </a:solidFill>
+            <a:tailEnd type="triangle"/>
+          </a:ln>
+        </p:spPr>
+        <p:style>
+          <a:lnRef idx="1">
+            <a:schemeClr val="accent1"/>
+          </a:lnRef>
+          <a:fillRef idx="0">
+            <a:schemeClr val="accent1"/>
+          </a:fillRef>
+          <a:effectRef idx="0">
+            <a:schemeClr val="accent1"/>
+          </a:effectRef>
+          <a:fontRef idx="minor">
+            <a:schemeClr val="tx1"/>
+          </a:fontRef>
+        </p:style>
+      </p:cxnSp>
+      <p:sp>
+        <p:nvSpPr>
+          <p:cNvPr id="8" name="TextBox 7">
+            <a:extLst>
+              <a:ext uri="{FF2B5EF4-FFF2-40B4-BE49-F238E27FC236}">
+                <a16:creationId xmlns:a16="http://schemas.microsoft.com/office/drawing/2014/main" id="{A062A09C-DC2B-94B2-111C-89E0F82D68DE}"/>
+              </a:ext>
+            </a:extLst>
+          </p:cNvPr>
+          <p:cNvSpPr txBox="1"/>
+          <p:nvPr/>
+        </p:nvSpPr>
+        <p:spPr>
+          <a:xfrm>
+            <a:off x="3359014" y="3695522"/>
+            <a:ext cx="2603247" cy="369332"/>
+          </a:xfrm>
+          <a:prstGeom prst="rect">
+            <a:avLst/>
+          </a:prstGeom>
+          <a:solidFill>
+            <a:schemeClr val="bg1"/>
+          </a:solidFill>
+        </p:spPr>
+        <p:txBody>
+          <a:bodyPr wrap="square" rtlCol="0">
+            <a:spAutoFit/>
+          </a:bodyPr>
+          <a:lstStyle/>
+          <a:p>
+            <a:r>
+              <a:rPr lang="en-US" b="1" dirty="0">
+                <a:solidFill>
+                  <a:srgbClr val="FF0000"/>
+                </a:solidFill>
+              </a:rPr>
+              <a:t>Old Fashioned Data Table</a:t>
+            </a:r>
+          </a:p>
+        </p:txBody>
+      </p:sp>
+      <p:sp>
+        <p:nvSpPr>
+          <p:cNvPr id="4" name="Date Placeholder 3">
+            <a:extLst>
+              <a:ext uri="{FF2B5EF4-FFF2-40B4-BE49-F238E27FC236}">
+                <a16:creationId xmlns:a16="http://schemas.microsoft.com/office/drawing/2014/main" id="{93B3BEE3-3037-2045-1F51-15AB634E3E75}"/>
+              </a:ext>
+            </a:extLst>
+          </p:cNvPr>
+          <p:cNvSpPr>
+            <a:spLocks noGrp="1"/>
+          </p:cNvSpPr>
+          <p:nvPr>
+            <p:ph type="dt" sz="half" idx="10"/>
+          </p:nvPr>
+        </p:nvSpPr>
+        <p:spPr/>
+        <p:txBody>
+          <a:bodyPr/>
+          <a:lstStyle/>
+          <a:p>
+            <a:r>
+              <a:rPr lang="en-US"/>
+              <a:t>07 August 2024</a:t>
+            </a:r>
+            <a:endParaRPr lang="en-US" dirty="0"/>
+          </a:p>
+        </p:txBody>
+      </p:sp>
+      <p:sp>
+        <p:nvSpPr>
+          <p:cNvPr id="9" name="Slide Number Placeholder 8">
+            <a:extLst>
+              <a:ext uri="{FF2B5EF4-FFF2-40B4-BE49-F238E27FC236}">
+                <a16:creationId xmlns:a16="http://schemas.microsoft.com/office/drawing/2014/main" id="{8F9804E3-254E-F9D2-1535-E5948DD90B9E}"/>
+              </a:ext>
+            </a:extLst>
+          </p:cNvPr>
+          <p:cNvSpPr>
+            <a:spLocks noGrp="1"/>
+          </p:cNvSpPr>
+          <p:nvPr>
+            <p:ph type="sldNum" sz="quarter" idx="12"/>
+          </p:nvPr>
+        </p:nvSpPr>
+        <p:spPr/>
+        <p:txBody>
+          <a:bodyPr/>
+          <a:lstStyle/>
+          <a:p>
+            <a:fld id="{A5AE5A1B-F2A0-43D8-B614-CE20E8D1EEC7}" type="slidenum">
+              <a:rPr lang="en-US" smtClean="0"/>
+              <a:t>10</a:t>
+            </a:fld>
+            <a:endParaRPr lang="en-US" dirty="0"/>
+          </a:p>
+        </p:txBody>
+      </p:sp>
     </p:spTree>
     <p:extLst>
       <p:ext uri="{BB962C8B-B14F-4D97-AF65-F5344CB8AC3E}">
@@ -8732,10 +8949,481 @@
           </a:p>
         </p:txBody>
       </p:sp>
+      <p:sp>
+        <p:nvSpPr>
+          <p:cNvPr id="2" name="Date Placeholder 1">
+            <a:extLst>
+              <a:ext uri="{FF2B5EF4-FFF2-40B4-BE49-F238E27FC236}">
+                <a16:creationId xmlns:a16="http://schemas.microsoft.com/office/drawing/2014/main" id="{EB0F475C-019B-6CB6-F66E-A43C917B63CE}"/>
+              </a:ext>
+            </a:extLst>
+          </p:cNvPr>
+          <p:cNvSpPr>
+            <a:spLocks noGrp="1"/>
+          </p:cNvSpPr>
+          <p:nvPr>
+            <p:ph type="dt" sz="half" idx="10"/>
+          </p:nvPr>
+        </p:nvSpPr>
+        <p:spPr/>
+        <p:txBody>
+          <a:bodyPr/>
+          <a:lstStyle/>
+          <a:p>
+            <a:r>
+              <a:rPr lang="en-US"/>
+              <a:t>07 August 2024</a:t>
+            </a:r>
+            <a:endParaRPr lang="en-US" dirty="0"/>
+          </a:p>
+        </p:txBody>
+      </p:sp>
+      <p:sp>
+        <p:nvSpPr>
+          <p:cNvPr id="5" name="Slide Number Placeholder 4">
+            <a:extLst>
+              <a:ext uri="{FF2B5EF4-FFF2-40B4-BE49-F238E27FC236}">
+                <a16:creationId xmlns:a16="http://schemas.microsoft.com/office/drawing/2014/main" id="{5844C816-0077-91F6-A9D9-91CDF4FC21AC}"/>
+              </a:ext>
+            </a:extLst>
+          </p:cNvPr>
+          <p:cNvSpPr>
+            <a:spLocks noGrp="1"/>
+          </p:cNvSpPr>
+          <p:nvPr>
+            <p:ph type="sldNum" sz="quarter" idx="12"/>
+          </p:nvPr>
+        </p:nvSpPr>
+        <p:spPr/>
+        <p:txBody>
+          <a:bodyPr/>
+          <a:lstStyle/>
+          <a:p>
+            <a:fld id="{A5AE5A1B-F2A0-43D8-B614-CE20E8D1EEC7}" type="slidenum">
+              <a:rPr lang="en-US" smtClean="0"/>
+              <a:t>11</a:t>
+            </a:fld>
+            <a:endParaRPr lang="en-US" dirty="0"/>
+          </a:p>
+        </p:txBody>
+      </p:sp>
     </p:spTree>
     <p:extLst>
       <p:ext uri="{BB962C8B-B14F-4D97-AF65-F5344CB8AC3E}">
         <p14:creationId xmlns:p14="http://schemas.microsoft.com/office/powerpoint/2010/main" val="1320741984"/>
+      </p:ext>
+    </p:extLst>
+  </p:cSld>
+  <p:clrMapOvr>
+    <a:masterClrMapping/>
+  </p:clrMapOvr>
+</p:sld>
+</file>
+
+<file path=ppt/slides/slide12.xml><?xml version="1.0" encoding="utf-8"?>
+<p:sld xmlns:a="http://schemas.openxmlformats.org/drawingml/2006/main" xmlns:r="http://schemas.openxmlformats.org/officeDocument/2006/relationships" xmlns:p="http://schemas.openxmlformats.org/presentationml/2006/main">
+  <p:cSld>
+    <p:spTree>
+      <p:nvGrpSpPr>
+        <p:cNvPr id="1" name=""/>
+        <p:cNvGrpSpPr/>
+        <p:nvPr/>
+      </p:nvGrpSpPr>
+      <p:grpSpPr>
+        <a:xfrm>
+          <a:off x="0" y="0"/>
+          <a:ext cx="0" cy="0"/>
+          <a:chOff x="0" y="0"/>
+          <a:chExt cx="0" cy="0"/>
+        </a:xfrm>
+      </p:grpSpPr>
+      <p:sp>
+        <p:nvSpPr>
+          <p:cNvPr id="2" name="Title 1">
+            <a:extLst>
+              <a:ext uri="{FF2B5EF4-FFF2-40B4-BE49-F238E27FC236}">
+                <a16:creationId xmlns:a16="http://schemas.microsoft.com/office/drawing/2014/main" id="{038BD9D9-0437-1BFC-C572-3F15D4EF1990}"/>
+              </a:ext>
+            </a:extLst>
+          </p:cNvPr>
+          <p:cNvSpPr>
+            <a:spLocks noGrp="1"/>
+          </p:cNvSpPr>
+          <p:nvPr>
+            <p:ph type="title"/>
+          </p:nvPr>
+        </p:nvSpPr>
+        <p:spPr/>
+        <p:txBody>
+          <a:bodyPr/>
+          <a:lstStyle/>
+          <a:p>
+            <a:r>
+              <a:rPr lang="en-US" dirty="0"/>
+              <a:t>Next Steps</a:t>
+            </a:r>
+          </a:p>
+        </p:txBody>
+      </p:sp>
+      <p:sp>
+        <p:nvSpPr>
+          <p:cNvPr id="3" name="Text Placeholder 2">
+            <a:extLst>
+              <a:ext uri="{FF2B5EF4-FFF2-40B4-BE49-F238E27FC236}">
+                <a16:creationId xmlns:a16="http://schemas.microsoft.com/office/drawing/2014/main" id="{1EC253B8-DAB3-AB30-42B3-CF166978DC81}"/>
+              </a:ext>
+            </a:extLst>
+          </p:cNvPr>
+          <p:cNvSpPr>
+            <a:spLocks noGrp="1"/>
+          </p:cNvSpPr>
+          <p:nvPr>
+            <p:ph idx="1"/>
+          </p:nvPr>
+        </p:nvSpPr>
+        <p:spPr/>
+        <p:txBody>
+          <a:bodyPr>
+            <a:normAutofit/>
+          </a:bodyPr>
+          <a:lstStyle/>
+          <a:p>
+            <a:pPr marL="457200" indent="-457200">
+              <a:buAutoNum type="arabicPeriod"/>
+            </a:pPr>
+            <a:r>
+              <a:rPr lang="en-US" dirty="0"/>
+              <a:t>More data – </a:t>
+            </a:r>
+            <a:r>
+              <a:rPr lang="en-US" dirty="0">
+                <a:solidFill>
+                  <a:schemeClr val="tx1">
+                    <a:lumMod val="60000"/>
+                    <a:lumOff val="40000"/>
+                  </a:schemeClr>
+                </a:solidFill>
+              </a:rPr>
+              <a:t>fill in some of the gaps in data by tracking down other references and taking additional data (UT currently taking CFRP data). Perhaps even eventually add other properties.</a:t>
+            </a:r>
+          </a:p>
+          <a:p>
+            <a:pPr marL="457200" indent="-457200">
+              <a:buAutoNum type="arabicPeriod"/>
+            </a:pPr>
+            <a:r>
+              <a:rPr lang="en-US" dirty="0"/>
+              <a:t>More tools – </a:t>
+            </a:r>
+            <a:r>
+              <a:rPr lang="en-US" dirty="0">
+                <a:solidFill>
+                  <a:schemeClr val="tx1">
+                    <a:lumMod val="60000"/>
+                    <a:lumOff val="40000"/>
+                  </a:schemeClr>
+                </a:solidFill>
+              </a:rPr>
+              <a:t>long-term goals may include connecting the code to existing load calculators and more</a:t>
+            </a:r>
+          </a:p>
+          <a:p>
+            <a:pPr marL="457200" indent="-457200">
+              <a:buAutoNum type="arabicPeriod"/>
+            </a:pPr>
+            <a:r>
+              <a:rPr lang="en-US" dirty="0"/>
+              <a:t>Feedback – </a:t>
+            </a:r>
+            <a:r>
+              <a:rPr lang="en-US" dirty="0">
+                <a:solidFill>
+                  <a:schemeClr val="tx1">
+                    <a:lumMod val="60000"/>
+                    <a:lumOff val="40000"/>
+                  </a:schemeClr>
+                </a:solidFill>
+              </a:rPr>
+              <a:t>we need people to use the repository and give feedback on what works and what they would like changed or added.</a:t>
+            </a:r>
+          </a:p>
+          <a:p>
+            <a:pPr marL="457200" indent="-457200">
+              <a:buAutoNum type="arabicPeriod"/>
+            </a:pPr>
+            <a:r>
+              <a:rPr lang="en-US" dirty="0"/>
+              <a:t>Collaborative developers – </a:t>
+            </a:r>
+            <a:r>
+              <a:rPr lang="en-US" dirty="0">
+                <a:solidFill>
+                  <a:schemeClr val="tx1">
+                    <a:lumMod val="60000"/>
+                    <a:lumOff val="40000"/>
+                  </a:schemeClr>
+                </a:solidFill>
+              </a:rPr>
+              <a:t>we would be more than happy to work with others to further develop this repository so please get in contact if you (or a student) are interested in </a:t>
+            </a:r>
+          </a:p>
+        </p:txBody>
+      </p:sp>
+      <p:sp>
+        <p:nvSpPr>
+          <p:cNvPr id="4" name="Date Placeholder 3">
+            <a:extLst>
+              <a:ext uri="{FF2B5EF4-FFF2-40B4-BE49-F238E27FC236}">
+                <a16:creationId xmlns:a16="http://schemas.microsoft.com/office/drawing/2014/main" id="{1BE0654A-DF55-3CA2-BA79-550C77192870}"/>
+              </a:ext>
+            </a:extLst>
+          </p:cNvPr>
+          <p:cNvSpPr>
+            <a:spLocks noGrp="1"/>
+          </p:cNvSpPr>
+          <p:nvPr>
+            <p:ph type="dt" sz="half" idx="10"/>
+          </p:nvPr>
+        </p:nvSpPr>
+        <p:spPr/>
+        <p:txBody>
+          <a:bodyPr/>
+          <a:lstStyle/>
+          <a:p>
+            <a:r>
+              <a:rPr lang="en-US"/>
+              <a:t>07 August 2024</a:t>
+            </a:r>
+            <a:endParaRPr lang="en-US" dirty="0"/>
+          </a:p>
+        </p:txBody>
+      </p:sp>
+      <p:sp>
+        <p:nvSpPr>
+          <p:cNvPr id="5" name="Slide Number Placeholder 4">
+            <a:extLst>
+              <a:ext uri="{FF2B5EF4-FFF2-40B4-BE49-F238E27FC236}">
+                <a16:creationId xmlns:a16="http://schemas.microsoft.com/office/drawing/2014/main" id="{67D83DF0-BDAF-5B70-19B4-9B71E07DA928}"/>
+              </a:ext>
+            </a:extLst>
+          </p:cNvPr>
+          <p:cNvSpPr>
+            <a:spLocks noGrp="1"/>
+          </p:cNvSpPr>
+          <p:nvPr>
+            <p:ph type="sldNum" sz="quarter" idx="12"/>
+          </p:nvPr>
+        </p:nvSpPr>
+        <p:spPr/>
+        <p:txBody>
+          <a:bodyPr/>
+          <a:lstStyle/>
+          <a:p>
+            <a:fld id="{A5AE5A1B-F2A0-43D8-B614-CE20E8D1EEC7}" type="slidenum">
+              <a:rPr lang="en-US" smtClean="0"/>
+              <a:t>12</a:t>
+            </a:fld>
+            <a:endParaRPr lang="en-US" dirty="0"/>
+          </a:p>
+        </p:txBody>
+      </p:sp>
+    </p:spTree>
+    <p:extLst>
+      <p:ext uri="{BB962C8B-B14F-4D97-AF65-F5344CB8AC3E}">
+        <p14:creationId xmlns:p14="http://schemas.microsoft.com/office/powerpoint/2010/main" val="1423944043"/>
+      </p:ext>
+    </p:extLst>
+  </p:cSld>
+  <p:clrMapOvr>
+    <a:masterClrMapping/>
+  </p:clrMapOvr>
+</p:sld>
+</file>
+
+<file path=ppt/slides/slide13.xml><?xml version="1.0" encoding="utf-8"?>
+<p:sld xmlns:a="http://schemas.openxmlformats.org/drawingml/2006/main" xmlns:r="http://schemas.openxmlformats.org/officeDocument/2006/relationships" xmlns:p="http://schemas.openxmlformats.org/presentationml/2006/main">
+  <p:cSld>
+    <p:spTree>
+      <p:nvGrpSpPr>
+        <p:cNvPr id="1" name=""/>
+        <p:cNvGrpSpPr/>
+        <p:nvPr/>
+      </p:nvGrpSpPr>
+      <p:grpSpPr>
+        <a:xfrm>
+          <a:off x="0" y="0"/>
+          <a:ext cx="0" cy="0"/>
+          <a:chOff x="0" y="0"/>
+          <a:chExt cx="0" cy="0"/>
+        </a:xfrm>
+      </p:grpSpPr>
+      <p:sp>
+        <p:nvSpPr>
+          <p:cNvPr id="2" name="Title 1">
+            <a:extLst>
+              <a:ext uri="{FF2B5EF4-FFF2-40B4-BE49-F238E27FC236}">
+                <a16:creationId xmlns:a16="http://schemas.microsoft.com/office/drawing/2014/main" id="{ADB51ADE-7021-D39C-CAC0-0ECAE6534EBA}"/>
+              </a:ext>
+            </a:extLst>
+          </p:cNvPr>
+          <p:cNvSpPr>
+            <a:spLocks noGrp="1"/>
+          </p:cNvSpPr>
+          <p:nvPr>
+            <p:ph type="title"/>
+          </p:nvPr>
+        </p:nvSpPr>
+        <p:spPr/>
+        <p:txBody>
+          <a:bodyPr/>
+          <a:lstStyle/>
+          <a:p>
+            <a:r>
+              <a:rPr lang="en-US" dirty="0"/>
+              <a:t>Summary</a:t>
+            </a:r>
+          </a:p>
+        </p:txBody>
+      </p:sp>
+      <p:sp>
+        <p:nvSpPr>
+          <p:cNvPr id="3" name="Content Placeholder 2">
+            <a:extLst>
+              <a:ext uri="{FF2B5EF4-FFF2-40B4-BE49-F238E27FC236}">
+                <a16:creationId xmlns:a16="http://schemas.microsoft.com/office/drawing/2014/main" id="{08BA8F44-2D97-85BD-0CAE-AF6FC9C6AC01}"/>
+              </a:ext>
+            </a:extLst>
+          </p:cNvPr>
+          <p:cNvSpPr>
+            <a:spLocks noGrp="1"/>
+          </p:cNvSpPr>
+          <p:nvPr>
+            <p:ph idx="1"/>
+          </p:nvPr>
+        </p:nvSpPr>
+        <p:spPr/>
+        <p:txBody>
+          <a:bodyPr/>
+          <a:lstStyle/>
+          <a:p>
+            <a:r>
+              <a:rPr lang="en-US" dirty="0"/>
+              <a:t>Current development includes thermal conductivity fits, raw data, plots, and basic thermal model tools and examples.</a:t>
+            </a:r>
+          </a:p>
+          <a:p>
+            <a:r>
+              <a:rPr lang="en-US" dirty="0"/>
+              <a:t>Looking for more thermal conductivity data and feedback on existing repository features.</a:t>
+            </a:r>
+          </a:p>
+          <a:p>
+            <a:r>
+              <a:rPr lang="en-US" dirty="0"/>
+              <a:t>For code related problems/requests use the GitHub Issues tab.</a:t>
+            </a:r>
+          </a:p>
+          <a:p>
+            <a:endParaRPr lang="en-US" dirty="0"/>
+          </a:p>
+          <a:p>
+            <a:pPr marL="0" indent="0">
+              <a:buNone/>
+            </a:pPr>
+            <a:r>
+              <a:rPr lang="en-US" dirty="0"/>
+              <a:t>Contact: Henry Nachman: </a:t>
+            </a:r>
+            <a:r>
+              <a:rPr lang="en-US" dirty="0">
+                <a:hlinkClick r:id="rId2"/>
+              </a:rPr>
+              <a:t>henry.nachman@utexas.edu</a:t>
+            </a:r>
+            <a:endParaRPr lang="en-US" dirty="0"/>
+          </a:p>
+          <a:p>
+            <a:pPr marL="0" indent="0">
+              <a:buNone/>
+            </a:pPr>
+            <a:endParaRPr lang="en-US" dirty="0"/>
+          </a:p>
+          <a:p>
+            <a:pPr marL="0" indent="0">
+              <a:buNone/>
+            </a:pPr>
+            <a:endParaRPr lang="en-US" dirty="0"/>
+          </a:p>
+          <a:p>
+            <a:endParaRPr lang="en-US" dirty="0"/>
+          </a:p>
+          <a:p>
+            <a:endParaRPr lang="en-US" dirty="0"/>
+          </a:p>
+        </p:txBody>
+      </p:sp>
+      <p:sp>
+        <p:nvSpPr>
+          <p:cNvPr id="4" name="Date Placeholder 3">
+            <a:extLst>
+              <a:ext uri="{FF2B5EF4-FFF2-40B4-BE49-F238E27FC236}">
+                <a16:creationId xmlns:a16="http://schemas.microsoft.com/office/drawing/2014/main" id="{C9FDBFB5-74B4-0D41-361E-B33153A1BD94}"/>
+              </a:ext>
+            </a:extLst>
+          </p:cNvPr>
+          <p:cNvSpPr>
+            <a:spLocks noGrp="1"/>
+          </p:cNvSpPr>
+          <p:nvPr>
+            <p:ph type="dt" sz="half" idx="10"/>
+          </p:nvPr>
+        </p:nvSpPr>
+        <p:spPr/>
+        <p:txBody>
+          <a:bodyPr/>
+          <a:lstStyle/>
+          <a:p>
+            <a:r>
+              <a:rPr lang="en-US"/>
+              <a:t>07 August 2024</a:t>
+            </a:r>
+            <a:endParaRPr lang="en-US" dirty="0"/>
+          </a:p>
+        </p:txBody>
+      </p:sp>
+      <p:sp>
+        <p:nvSpPr>
+          <p:cNvPr id="5" name="Slide Number Placeholder 4">
+            <a:extLst>
+              <a:ext uri="{FF2B5EF4-FFF2-40B4-BE49-F238E27FC236}">
+                <a16:creationId xmlns:a16="http://schemas.microsoft.com/office/drawing/2014/main" id="{E9684F63-B657-C3CD-7406-48E39F80D830}"/>
+              </a:ext>
+            </a:extLst>
+          </p:cNvPr>
+          <p:cNvSpPr>
+            <a:spLocks noGrp="1"/>
+          </p:cNvSpPr>
+          <p:nvPr>
+            <p:ph type="sldNum" sz="quarter" idx="12"/>
+          </p:nvPr>
+        </p:nvSpPr>
+        <p:spPr/>
+        <p:txBody>
+          <a:bodyPr/>
+          <a:lstStyle/>
+          <a:p>
+            <a:fld id="{A5AE5A1B-F2A0-43D8-B614-CE20E8D1EEC7}" type="slidenum">
+              <a:rPr lang="en-US" smtClean="0"/>
+              <a:t>13</a:t>
+            </a:fld>
+            <a:endParaRPr lang="en-US" dirty="0"/>
+          </a:p>
+        </p:txBody>
+      </p:sp>
+    </p:spTree>
+    <p:extLst>
+      <p:ext uri="{BB962C8B-B14F-4D97-AF65-F5344CB8AC3E}">
+        <p14:creationId xmlns:p14="http://schemas.microsoft.com/office/powerpoint/2010/main" val="2171306422"/>
       </p:ext>
     </p:extLst>
   </p:cSld>
@@ -8850,10 +9538,10 @@
           <a:bodyPr/>
           <a:lstStyle/>
           <a:p>
-            <a:fld id="{748D3120-183C-4B2B-94E2-31D5F67344FB}" type="datetime3">
-              <a:rPr lang="en-US" smtClean="0"/>
-              <a:t>22 July 2024</a:t>
-            </a:fld>
+            <a:r>
+              <a:rPr lang="en-US"/>
+              <a:t>07 August 2024</a:t>
+            </a:r>
             <a:endParaRPr lang="en-US" dirty="0"/>
           </a:p>
         </p:txBody>
@@ -8967,6 +9655,64 @@
           <a:lstStyle/>
           <a:p>
             <a:endParaRPr lang="en-US"/>
+          </a:p>
+        </p:txBody>
+      </p:sp>
+      <p:sp>
+        <p:nvSpPr>
+          <p:cNvPr id="4" name="Date Placeholder 3">
+            <a:extLst>
+              <a:ext uri="{FF2B5EF4-FFF2-40B4-BE49-F238E27FC236}">
+                <a16:creationId xmlns:a16="http://schemas.microsoft.com/office/drawing/2014/main" id="{D96FB851-BE2A-2C91-BB7D-D97F65F9026C}"/>
+              </a:ext>
+            </a:extLst>
+          </p:cNvPr>
+          <p:cNvSpPr>
+            <a:spLocks noGrp="1"/>
+          </p:cNvSpPr>
+          <p:nvPr>
+            <p:ph type="dt" sz="half" idx="10"/>
+          </p:nvPr>
+        </p:nvSpPr>
+        <p:spPr/>
+        <p:txBody>
+          <a:bodyPr/>
+          <a:lstStyle/>
+          <a:p>
+            <a:r>
+              <a:rPr lang="en-US"/>
+              <a:t>07 August 2024</a:t>
+            </a:r>
+            <a:endParaRPr lang="en-US" dirty="0"/>
+          </a:p>
+        </p:txBody>
+      </p:sp>
+      <p:sp>
+        <p:nvSpPr>
+          <p:cNvPr id="5" name="Slide Number Placeholder 4">
+            <a:extLst>
+              <a:ext uri="{FF2B5EF4-FFF2-40B4-BE49-F238E27FC236}">
+                <a16:creationId xmlns:a16="http://schemas.microsoft.com/office/drawing/2014/main" id="{97C44D54-A377-50D7-F2E2-E8C05B120C63}"/>
+              </a:ext>
+            </a:extLst>
+          </p:cNvPr>
+          <p:cNvSpPr>
+            <a:spLocks noGrp="1"/>
+          </p:cNvSpPr>
+          <p:nvPr>
+            <p:ph type="sldNum" sz="quarter" idx="12"/>
+          </p:nvPr>
+        </p:nvSpPr>
+        <p:spPr/>
+        <p:txBody>
+          <a:bodyPr/>
+          <a:lstStyle/>
+          <a:p>
+            <a:fld id="{A5AE5A1B-F2A0-43D8-B614-CE20E8D1EEC7}" type="slidenum">
+              <a:rPr lang="en-US" smtClean="0"/>
+              <a:t>3</a:t>
+            </a:fld>
+            <a:endParaRPr lang="en-US" dirty="0"/>
           </a:p>
         </p:txBody>
       </p:sp>
@@ -9454,6 +10200,64 @@
           </a:p>
         </p:txBody>
       </p:sp>
+      <p:sp>
+        <p:nvSpPr>
+          <p:cNvPr id="4" name="Date Placeholder 3">
+            <a:extLst>
+              <a:ext uri="{FF2B5EF4-FFF2-40B4-BE49-F238E27FC236}">
+                <a16:creationId xmlns:a16="http://schemas.microsoft.com/office/drawing/2014/main" id="{60F410EF-2290-EBE0-CFBE-FE2418E0DAA7}"/>
+              </a:ext>
+            </a:extLst>
+          </p:cNvPr>
+          <p:cNvSpPr>
+            <a:spLocks noGrp="1"/>
+          </p:cNvSpPr>
+          <p:nvPr>
+            <p:ph type="dt" sz="half" idx="10"/>
+          </p:nvPr>
+        </p:nvSpPr>
+        <p:spPr/>
+        <p:txBody>
+          <a:bodyPr/>
+          <a:lstStyle/>
+          <a:p>
+            <a:r>
+              <a:rPr lang="en-US"/>
+              <a:t>07 August 2024</a:t>
+            </a:r>
+            <a:endParaRPr lang="en-US" dirty="0"/>
+          </a:p>
+        </p:txBody>
+      </p:sp>
+      <p:sp>
+        <p:nvSpPr>
+          <p:cNvPr id="6" name="Slide Number Placeholder 5">
+            <a:extLst>
+              <a:ext uri="{FF2B5EF4-FFF2-40B4-BE49-F238E27FC236}">
+                <a16:creationId xmlns:a16="http://schemas.microsoft.com/office/drawing/2014/main" id="{28B6DB58-A660-DED3-324D-15E034CC2BDA}"/>
+              </a:ext>
+            </a:extLst>
+          </p:cNvPr>
+          <p:cNvSpPr>
+            <a:spLocks noGrp="1"/>
+          </p:cNvSpPr>
+          <p:nvPr>
+            <p:ph type="sldNum" sz="quarter" idx="12"/>
+          </p:nvPr>
+        </p:nvSpPr>
+        <p:spPr/>
+        <p:txBody>
+          <a:bodyPr/>
+          <a:lstStyle/>
+          <a:p>
+            <a:fld id="{A5AE5A1B-F2A0-43D8-B614-CE20E8D1EEC7}" type="slidenum">
+              <a:rPr lang="en-US" smtClean="0"/>
+              <a:t>4</a:t>
+            </a:fld>
+            <a:endParaRPr lang="en-US" dirty="0"/>
+          </a:p>
+        </p:txBody>
+      </p:sp>
     </p:spTree>
     <p:extLst>
       <p:ext uri="{BB962C8B-B14F-4D97-AF65-F5344CB8AC3E}">
@@ -9862,6 +10666,64 @@
           </a:p>
         </p:txBody>
       </p:sp>
+      <p:sp>
+        <p:nvSpPr>
+          <p:cNvPr id="2" name="Date Placeholder 1">
+            <a:extLst>
+              <a:ext uri="{FF2B5EF4-FFF2-40B4-BE49-F238E27FC236}">
+                <a16:creationId xmlns:a16="http://schemas.microsoft.com/office/drawing/2014/main" id="{4765392E-DB8D-B40C-2646-459F0D438484}"/>
+              </a:ext>
+            </a:extLst>
+          </p:cNvPr>
+          <p:cNvSpPr>
+            <a:spLocks noGrp="1"/>
+          </p:cNvSpPr>
+          <p:nvPr>
+            <p:ph type="dt" sz="half" idx="10"/>
+          </p:nvPr>
+        </p:nvSpPr>
+        <p:spPr/>
+        <p:txBody>
+          <a:bodyPr/>
+          <a:lstStyle/>
+          <a:p>
+            <a:r>
+              <a:rPr lang="en-US"/>
+              <a:t>07 August 2024</a:t>
+            </a:r>
+            <a:endParaRPr lang="en-US" dirty="0"/>
+          </a:p>
+        </p:txBody>
+      </p:sp>
+      <p:sp>
+        <p:nvSpPr>
+          <p:cNvPr id="8" name="Slide Number Placeholder 7">
+            <a:extLst>
+              <a:ext uri="{FF2B5EF4-FFF2-40B4-BE49-F238E27FC236}">
+                <a16:creationId xmlns:a16="http://schemas.microsoft.com/office/drawing/2014/main" id="{C7B96D14-50F9-E91F-6B5D-F53BAF4F56BB}"/>
+              </a:ext>
+            </a:extLst>
+          </p:cNvPr>
+          <p:cNvSpPr>
+            <a:spLocks noGrp="1"/>
+          </p:cNvSpPr>
+          <p:nvPr>
+            <p:ph type="sldNum" sz="quarter" idx="12"/>
+          </p:nvPr>
+        </p:nvSpPr>
+        <p:spPr/>
+        <p:txBody>
+          <a:bodyPr/>
+          <a:lstStyle/>
+          <a:p>
+            <a:fld id="{A5AE5A1B-F2A0-43D8-B614-CE20E8D1EEC7}" type="slidenum">
+              <a:rPr lang="en-US" smtClean="0"/>
+              <a:t>5</a:t>
+            </a:fld>
+            <a:endParaRPr lang="en-US" dirty="0"/>
+          </a:p>
+        </p:txBody>
+      </p:sp>
     </p:spTree>
     <p:extLst>
       <p:ext uri="{BB962C8B-B14F-4D97-AF65-F5344CB8AC3E}">
@@ -9932,6 +10794,64 @@
           </a:effectLst>
         </p:spPr>
       </p:pic>
+      <p:sp>
+        <p:nvSpPr>
+          <p:cNvPr id="2" name="Date Placeholder 1">
+            <a:extLst>
+              <a:ext uri="{FF2B5EF4-FFF2-40B4-BE49-F238E27FC236}">
+                <a16:creationId xmlns:a16="http://schemas.microsoft.com/office/drawing/2014/main" id="{0747EB50-D66B-8999-4EA6-67E4BF029579}"/>
+              </a:ext>
+            </a:extLst>
+          </p:cNvPr>
+          <p:cNvSpPr>
+            <a:spLocks noGrp="1"/>
+          </p:cNvSpPr>
+          <p:nvPr>
+            <p:ph type="dt" sz="half" idx="10"/>
+          </p:nvPr>
+        </p:nvSpPr>
+        <p:spPr/>
+        <p:txBody>
+          <a:bodyPr/>
+          <a:lstStyle/>
+          <a:p>
+            <a:r>
+              <a:rPr lang="en-US"/>
+              <a:t>07 August 2024</a:t>
+            </a:r>
+            <a:endParaRPr lang="en-US" dirty="0"/>
+          </a:p>
+        </p:txBody>
+      </p:sp>
+      <p:sp>
+        <p:nvSpPr>
+          <p:cNvPr id="4" name="Slide Number Placeholder 3">
+            <a:extLst>
+              <a:ext uri="{FF2B5EF4-FFF2-40B4-BE49-F238E27FC236}">
+                <a16:creationId xmlns:a16="http://schemas.microsoft.com/office/drawing/2014/main" id="{C3167811-AA1D-06F9-DD66-83AA6AAC6125}"/>
+              </a:ext>
+            </a:extLst>
+          </p:cNvPr>
+          <p:cNvSpPr>
+            <a:spLocks noGrp="1"/>
+          </p:cNvSpPr>
+          <p:nvPr>
+            <p:ph type="sldNum" sz="quarter" idx="12"/>
+          </p:nvPr>
+        </p:nvSpPr>
+        <p:spPr/>
+        <p:txBody>
+          <a:bodyPr/>
+          <a:lstStyle/>
+          <a:p>
+            <a:fld id="{A5AE5A1B-F2A0-43D8-B614-CE20E8D1EEC7}" type="slidenum">
+              <a:rPr lang="en-US" smtClean="0"/>
+              <a:t>6</a:t>
+            </a:fld>
+            <a:endParaRPr lang="en-US" dirty="0"/>
+          </a:p>
+        </p:txBody>
+      </p:sp>
     </p:spTree>
     <p:extLst>
       <p:ext uri="{BB962C8B-B14F-4D97-AF65-F5344CB8AC3E}">
@@ -10002,6 +10922,64 @@
           </a:effectLst>
         </p:spPr>
       </p:pic>
+      <p:sp>
+        <p:nvSpPr>
+          <p:cNvPr id="2" name="Date Placeholder 1">
+            <a:extLst>
+              <a:ext uri="{FF2B5EF4-FFF2-40B4-BE49-F238E27FC236}">
+                <a16:creationId xmlns:a16="http://schemas.microsoft.com/office/drawing/2014/main" id="{D762CC3C-B572-DD1D-F16B-4C5FCD900A6C}"/>
+              </a:ext>
+            </a:extLst>
+          </p:cNvPr>
+          <p:cNvSpPr>
+            <a:spLocks noGrp="1"/>
+          </p:cNvSpPr>
+          <p:nvPr>
+            <p:ph type="dt" sz="half" idx="10"/>
+          </p:nvPr>
+        </p:nvSpPr>
+        <p:spPr/>
+        <p:txBody>
+          <a:bodyPr/>
+          <a:lstStyle/>
+          <a:p>
+            <a:r>
+              <a:rPr lang="en-US"/>
+              <a:t>07 August 2024</a:t>
+            </a:r>
+            <a:endParaRPr lang="en-US" dirty="0"/>
+          </a:p>
+        </p:txBody>
+      </p:sp>
+      <p:sp>
+        <p:nvSpPr>
+          <p:cNvPr id="4" name="Slide Number Placeholder 3">
+            <a:extLst>
+              <a:ext uri="{FF2B5EF4-FFF2-40B4-BE49-F238E27FC236}">
+                <a16:creationId xmlns:a16="http://schemas.microsoft.com/office/drawing/2014/main" id="{52707DA9-C4EE-30D8-A726-C041131D8AFF}"/>
+              </a:ext>
+            </a:extLst>
+          </p:cNvPr>
+          <p:cNvSpPr>
+            <a:spLocks noGrp="1"/>
+          </p:cNvSpPr>
+          <p:nvPr>
+            <p:ph type="sldNum" sz="quarter" idx="12"/>
+          </p:nvPr>
+        </p:nvSpPr>
+        <p:spPr/>
+        <p:txBody>
+          <a:bodyPr/>
+          <a:lstStyle/>
+          <a:p>
+            <a:fld id="{A5AE5A1B-F2A0-43D8-B614-CE20E8D1EEC7}" type="slidenum">
+              <a:rPr lang="en-US" smtClean="0"/>
+              <a:t>7</a:t>
+            </a:fld>
+            <a:endParaRPr lang="en-US" dirty="0"/>
+          </a:p>
+        </p:txBody>
+      </p:sp>
     </p:spTree>
     <p:extLst>
       <p:ext uri="{BB962C8B-B14F-4D97-AF65-F5344CB8AC3E}">
@@ -10082,6 +11060,64 @@
           <a:lstStyle/>
           <a:p>
             <a:endParaRPr lang="en-US"/>
+          </a:p>
+        </p:txBody>
+      </p:sp>
+      <p:sp>
+        <p:nvSpPr>
+          <p:cNvPr id="4" name="Date Placeholder 3">
+            <a:extLst>
+              <a:ext uri="{FF2B5EF4-FFF2-40B4-BE49-F238E27FC236}">
+                <a16:creationId xmlns:a16="http://schemas.microsoft.com/office/drawing/2014/main" id="{8A27B0ED-1B32-8529-D0AC-80E867B00CAD}"/>
+              </a:ext>
+            </a:extLst>
+          </p:cNvPr>
+          <p:cNvSpPr>
+            <a:spLocks noGrp="1"/>
+          </p:cNvSpPr>
+          <p:nvPr>
+            <p:ph type="dt" sz="half" idx="10"/>
+          </p:nvPr>
+        </p:nvSpPr>
+        <p:spPr/>
+        <p:txBody>
+          <a:bodyPr/>
+          <a:lstStyle/>
+          <a:p>
+            <a:r>
+              <a:rPr lang="en-US"/>
+              <a:t>07 August 2024</a:t>
+            </a:r>
+            <a:endParaRPr lang="en-US" dirty="0"/>
+          </a:p>
+        </p:txBody>
+      </p:sp>
+      <p:sp>
+        <p:nvSpPr>
+          <p:cNvPr id="5" name="Slide Number Placeholder 4">
+            <a:extLst>
+              <a:ext uri="{FF2B5EF4-FFF2-40B4-BE49-F238E27FC236}">
+                <a16:creationId xmlns:a16="http://schemas.microsoft.com/office/drawing/2014/main" id="{426EE27C-B648-CA18-E811-ECDDA53A4870}"/>
+              </a:ext>
+            </a:extLst>
+          </p:cNvPr>
+          <p:cNvSpPr>
+            <a:spLocks noGrp="1"/>
+          </p:cNvSpPr>
+          <p:nvPr>
+            <p:ph type="sldNum" sz="quarter" idx="12"/>
+          </p:nvPr>
+        </p:nvSpPr>
+        <p:spPr/>
+        <p:txBody>
+          <a:bodyPr/>
+          <a:lstStyle/>
+          <a:p>
+            <a:fld id="{A5AE5A1B-F2A0-43D8-B614-CE20E8D1EEC7}" type="slidenum">
+              <a:rPr lang="en-US" smtClean="0"/>
+              <a:t>8</a:t>
+            </a:fld>
+            <a:endParaRPr lang="en-US" dirty="0"/>
           </a:p>
         </p:txBody>
       </p:sp>
@@ -10145,6 +11181,64 @@
           </a:prstGeom>
         </p:spPr>
       </p:pic>
+      <p:sp>
+        <p:nvSpPr>
+          <p:cNvPr id="2" name="Date Placeholder 1">
+            <a:extLst>
+              <a:ext uri="{FF2B5EF4-FFF2-40B4-BE49-F238E27FC236}">
+                <a16:creationId xmlns:a16="http://schemas.microsoft.com/office/drawing/2014/main" id="{35EA1E79-8FFC-2CFA-9D37-F9C1FD713A44}"/>
+              </a:ext>
+            </a:extLst>
+          </p:cNvPr>
+          <p:cNvSpPr>
+            <a:spLocks noGrp="1"/>
+          </p:cNvSpPr>
+          <p:nvPr>
+            <p:ph type="dt" sz="half" idx="10"/>
+          </p:nvPr>
+        </p:nvSpPr>
+        <p:spPr/>
+        <p:txBody>
+          <a:bodyPr/>
+          <a:lstStyle/>
+          <a:p>
+            <a:r>
+              <a:rPr lang="en-US"/>
+              <a:t>07 August 2024</a:t>
+            </a:r>
+            <a:endParaRPr lang="en-US" dirty="0"/>
+          </a:p>
+        </p:txBody>
+      </p:sp>
+      <p:sp>
+        <p:nvSpPr>
+          <p:cNvPr id="4" name="Slide Number Placeholder 3">
+            <a:extLst>
+              <a:ext uri="{FF2B5EF4-FFF2-40B4-BE49-F238E27FC236}">
+                <a16:creationId xmlns:a16="http://schemas.microsoft.com/office/drawing/2014/main" id="{35D0BD98-7613-23D2-AE68-AAE792F6C694}"/>
+              </a:ext>
+            </a:extLst>
+          </p:cNvPr>
+          <p:cNvSpPr>
+            <a:spLocks noGrp="1"/>
+          </p:cNvSpPr>
+          <p:nvPr>
+            <p:ph type="sldNum" sz="quarter" idx="12"/>
+          </p:nvPr>
+        </p:nvSpPr>
+        <p:spPr/>
+        <p:txBody>
+          <a:bodyPr/>
+          <a:lstStyle/>
+          <a:p>
+            <a:fld id="{A5AE5A1B-F2A0-43D8-B614-CE20E8D1EEC7}" type="slidenum">
+              <a:rPr lang="en-US" smtClean="0"/>
+              <a:t>9</a:t>
+            </a:fld>
+            <a:endParaRPr lang="en-US" dirty="0"/>
+          </a:p>
+        </p:txBody>
+      </p:sp>
     </p:spTree>
     <p:extLst>
       <p:ext uri="{BB962C8B-B14F-4D97-AF65-F5344CB8AC3E}">

--- a/Cryogenic Material Library – An Overview.pptx
+++ b/Cryogenic Material Library – An Overview.pptx
@@ -131,7 +131,7 @@
 <file path=ppt/revisionInfo.xml><?xml version="1.0" encoding="utf-8"?>
 <p1510:revInfo xmlns:a="http://schemas.openxmlformats.org/drawingml/2006/main" xmlns:r="http://schemas.openxmlformats.org/officeDocument/2006/relationships" xmlns:p1510="http://schemas.microsoft.com/office/powerpoint/2015/10/main">
   <p1510:revLst>
-    <p1510:client id="{97B025E6-ADCE-455F-A765-8AB31C402604}" v="5" dt="2024-07-24T23:05:51.811"/>
+    <p1510:client id="{97B025E6-ADCE-455F-A765-8AB31C402604}" v="7" dt="2024-08-19T20:54:01.798"/>
   </p1510:revLst>
 </p1510:revInfo>
 </file>
@@ -140,11 +140,26 @@
 <pc:chgInfo xmlns:a="http://schemas.openxmlformats.org/drawingml/2006/main" xmlns:r="http://schemas.openxmlformats.org/officeDocument/2006/relationships" xmlns:ac="http://schemas.microsoft.com/office/drawing/2013/main/command" xmlns:pc="http://schemas.microsoft.com/office/powerpoint/2013/main/command">
   <pc:docChgLst>
     <pc:chgData name="Nachman, Henry E" userId="61b6d401-6236-4eef-ad41-387b716cd9c6" providerId="ADAL" clId="{97B025E6-ADCE-455F-A765-8AB31C402604}"/>
-    <pc:docChg chg="custSel addSld modSld">
-      <pc:chgData name="Nachman, Henry E" userId="61b6d401-6236-4eef-ad41-387b716cd9c6" providerId="ADAL" clId="{97B025E6-ADCE-455F-A765-8AB31C402604}" dt="2024-07-24T22:57:19.328" v="1319" actId="14100"/>
+    <pc:docChg chg="custSel addSld modSld modMainMaster">
+      <pc:chgData name="Nachman, Henry E" userId="61b6d401-6236-4eef-ad41-387b716cd9c6" providerId="ADAL" clId="{97B025E6-ADCE-455F-A765-8AB31C402604}" dt="2024-08-19T20:53:32.499" v="1324" actId="14100"/>
       <pc:docMkLst>
         <pc:docMk/>
       </pc:docMkLst>
+      <pc:sldChg chg="modSp mod">
+        <pc:chgData name="Nachman, Henry E" userId="61b6d401-6236-4eef-ad41-387b716cd9c6" providerId="ADAL" clId="{97B025E6-ADCE-455F-A765-8AB31C402604}" dt="2024-08-19T20:53:04.452" v="1323" actId="20577"/>
+        <pc:sldMkLst>
+          <pc:docMk/>
+          <pc:sldMk cId="1906951400" sldId="256"/>
+        </pc:sldMkLst>
+        <pc:spChg chg="mod">
+          <ac:chgData name="Nachman, Henry E" userId="61b6d401-6236-4eef-ad41-387b716cd9c6" providerId="ADAL" clId="{97B025E6-ADCE-455F-A765-8AB31C402604}" dt="2024-08-19T20:53:04.452" v="1323" actId="20577"/>
+          <ac:spMkLst>
+            <pc:docMk/>
+            <pc:sldMk cId="1906951400" sldId="256"/>
+            <ac:spMk id="3" creationId="{BB1569D7-6965-1435-20D8-49E4E854625D}"/>
+          </ac:spMkLst>
+        </pc:spChg>
+      </pc:sldChg>
       <pc:sldChg chg="addSp modSp mod">
         <pc:chgData name="Nachman, Henry E" userId="61b6d401-6236-4eef-ad41-387b716cd9c6" providerId="ADAL" clId="{97B025E6-ADCE-455F-A765-8AB31C402604}" dt="2024-07-24T22:57:19.328" v="1319" actId="14100"/>
         <pc:sldMkLst>
@@ -214,6 +229,30 @@
           </ac:spMkLst>
         </pc:spChg>
       </pc:sldChg>
+      <pc:sldMasterChg chg="modSldLayout">
+        <pc:chgData name="Nachman, Henry E" userId="61b6d401-6236-4eef-ad41-387b716cd9c6" providerId="ADAL" clId="{97B025E6-ADCE-455F-A765-8AB31C402604}" dt="2024-08-19T20:53:32.499" v="1324" actId="14100"/>
+        <pc:sldMasterMkLst>
+          <pc:docMk/>
+          <pc:sldMasterMk cId="1419148104" sldId="2147483648"/>
+        </pc:sldMasterMkLst>
+        <pc:sldLayoutChg chg="modSp">
+          <pc:chgData name="Nachman, Henry E" userId="61b6d401-6236-4eef-ad41-387b716cd9c6" providerId="ADAL" clId="{97B025E6-ADCE-455F-A765-8AB31C402604}" dt="2024-08-19T20:53:32.499" v="1324" actId="14100"/>
+          <pc:sldLayoutMkLst>
+            <pc:docMk/>
+            <pc:sldMasterMk cId="1419148104" sldId="2147483648"/>
+            <pc:sldLayoutMk cId="309651102" sldId="2147483660"/>
+          </pc:sldLayoutMkLst>
+          <pc:picChg chg="mod">
+            <ac:chgData name="Nachman, Henry E" userId="61b6d401-6236-4eef-ad41-387b716cd9c6" providerId="ADAL" clId="{97B025E6-ADCE-455F-A765-8AB31C402604}" dt="2024-08-19T20:53:32.499" v="1324" actId="14100"/>
+            <ac:picMkLst>
+              <pc:docMk/>
+              <pc:sldMasterMk cId="1419148104" sldId="2147483648"/>
+              <pc:sldLayoutMk cId="309651102" sldId="2147483660"/>
+              <ac:picMk id="2050" creationId="{57E1FFB0-35D4-8C6A-A897-1EC1DBE17D93}"/>
+            </ac:picMkLst>
+          </pc:picChg>
+        </pc:sldLayoutChg>
+      </pc:sldMasterChg>
     </pc:docChg>
   </pc:docChgLst>
 </pc:chgInfo>
@@ -301,7 +340,7 @@
           <a:p>
             <a:fld id="{5FC74DD2-77AE-4FFB-A700-F39F229BC1BF}" type="datetimeFigureOut">
               <a:rPr lang="en-US" smtClean="0"/>
-              <a:t>7/24/2024</a:t>
+              <a:t>8/19/2024</a:t>
             </a:fld>
             <a:endParaRPr lang="en-US"/>
           </a:p>
@@ -1210,7 +1249,7 @@
           <a:p>
             <a:r>
               <a:rPr lang="en-US"/>
-              <a:t>07 August 2024</a:t>
+              <a:t>28 August 2024</a:t>
             </a:r>
           </a:p>
         </p:txBody>
@@ -1407,7 +1446,7 @@
           <a:p>
             <a:r>
               <a:rPr lang="en-US"/>
-              <a:t>07 August 2024</a:t>
+              <a:t>28 August 2024</a:t>
             </a:r>
           </a:p>
         </p:txBody>
@@ -1614,7 +1653,7 @@
           <a:p>
             <a:r>
               <a:rPr lang="en-US"/>
-              <a:t>07 August 2024</a:t>
+              <a:t>28 August 2024</a:t>
             </a:r>
           </a:p>
         </p:txBody>
@@ -2663,7 +2702,7 @@
           <a:p>
             <a:r>
               <a:rPr lang="en-US"/>
-              <a:t>07 August 2024</a:t>
+              <a:t>28 August 2024</a:t>
             </a:r>
             <a:endParaRPr lang="en-US" dirty="0"/>
           </a:p>
@@ -2938,7 +2977,7 @@
           <a:p>
             <a:r>
               <a:rPr lang="en-US"/>
-              <a:t>07 August 2024</a:t>
+              <a:t>28 August 2024</a:t>
             </a:r>
             <a:endParaRPr lang="en-US" dirty="0"/>
           </a:p>
@@ -3203,7 +3242,7 @@
           <a:p>
             <a:r>
               <a:rPr lang="en-US"/>
-              <a:t>07 August 2024</a:t>
+              <a:t>28 August 2024</a:t>
             </a:r>
             <a:endParaRPr lang="en-US" dirty="0"/>
           </a:p>
@@ -3615,7 +3654,7 @@
           <a:p>
             <a:r>
               <a:rPr lang="en-US"/>
-              <a:t>07 August 2024</a:t>
+              <a:t>28 August 2024</a:t>
             </a:r>
             <a:endParaRPr lang="en-US" dirty="0"/>
           </a:p>
@@ -3756,7 +3795,7 @@
           <a:p>
             <a:r>
               <a:rPr lang="en-US"/>
-              <a:t>07 August 2024</a:t>
+              <a:t>28 August 2024</a:t>
             </a:r>
             <a:endParaRPr lang="en-US" dirty="0"/>
           </a:p>
@@ -4227,7 +4266,7 @@
         <p:spPr bwMode="auto">
           <a:xfrm>
             <a:off x="243840" y="271275"/>
-            <a:ext cx="5069840" cy="1103086"/>
+            <a:ext cx="4309683" cy="937693"/>
           </a:xfrm>
           <a:prstGeom prst="rect">
             <a:avLst/>
@@ -4297,7 +4336,7 @@
           <a:p>
             <a:r>
               <a:rPr lang="en-US"/>
-              <a:t>07 August 2024</a:t>
+              <a:t>28 August 2024</a:t>
             </a:r>
             <a:endParaRPr lang="en-US" dirty="0"/>
           </a:p>
@@ -4608,7 +4647,7 @@
           <a:p>
             <a:r>
               <a:rPr lang="en-US"/>
-              <a:t>07 August 2024</a:t>
+              <a:t>28 August 2024</a:t>
             </a:r>
             <a:endParaRPr lang="en-US" dirty="0"/>
           </a:p>
@@ -4896,7 +4935,7 @@
           <a:p>
             <a:r>
               <a:rPr lang="en-US"/>
-              <a:t>07 August 2024</a:t>
+              <a:t>28 August 2024</a:t>
             </a:r>
             <a:endParaRPr lang="en-US" dirty="0"/>
           </a:p>
@@ -5094,7 +5133,7 @@
           <a:p>
             <a:r>
               <a:rPr lang="en-US"/>
-              <a:t>07 August 2024</a:t>
+              <a:t>28 August 2024</a:t>
             </a:r>
             <a:endParaRPr lang="en-US" dirty="0"/>
           </a:p>
@@ -5302,7 +5341,7 @@
           <a:p>
             <a:r>
               <a:rPr lang="en-US"/>
-              <a:t>07 August 2024</a:t>
+              <a:t>28 August 2024</a:t>
             </a:r>
             <a:endParaRPr lang="en-US" dirty="0"/>
           </a:p>
@@ -5513,7 +5552,7 @@
           <a:p>
             <a:r>
               <a:rPr lang="en-US"/>
-              <a:t>07 August 2024</a:t>
+              <a:t>28 August 2024</a:t>
             </a:r>
             <a:endParaRPr lang="en-US" dirty="0"/>
           </a:p>
@@ -5815,7 +5854,7 @@
           <a:p>
             <a:r>
               <a:rPr lang="en-US"/>
-              <a:t>07 August 2024</a:t>
+              <a:t>28 August 2024</a:t>
             </a:r>
           </a:p>
         </p:txBody>
@@ -6079,7 +6118,7 @@
           <a:p>
             <a:r>
               <a:rPr lang="en-US"/>
-              <a:t>07 August 2024</a:t>
+              <a:t>28 August 2024</a:t>
             </a:r>
           </a:p>
         </p:txBody>
@@ -6490,7 +6529,7 @@
           <a:p>
             <a:r>
               <a:rPr lang="en-US"/>
-              <a:t>07 August 2024</a:t>
+              <a:t>28 August 2024</a:t>
             </a:r>
           </a:p>
         </p:txBody>
@@ -6630,7 +6669,7 @@
           <a:p>
             <a:r>
               <a:rPr lang="en-US"/>
-              <a:t>07 August 2024</a:t>
+              <a:t>28 August 2024</a:t>
             </a:r>
           </a:p>
         </p:txBody>
@@ -6742,7 +6781,7 @@
           <a:p>
             <a:r>
               <a:rPr lang="en-US"/>
-              <a:t>07 August 2024</a:t>
+              <a:t>28 August 2024</a:t>
             </a:r>
           </a:p>
         </p:txBody>
@@ -7052,7 +7091,7 @@
           <a:p>
             <a:r>
               <a:rPr lang="en-US"/>
-              <a:t>07 August 2024</a:t>
+              <a:t>28 August 2024</a:t>
             </a:r>
           </a:p>
         </p:txBody>
@@ -7344,7 +7383,7 @@
           <a:p>
             <a:r>
               <a:rPr lang="en-US"/>
-              <a:t>07 August 2024</a:t>
+              <a:t>28 August 2024</a:t>
             </a:r>
             <a:endParaRPr lang="en-US" dirty="0"/>
           </a:p>
@@ -8020,7 +8059,7 @@
           <a:p>
             <a:r>
               <a:rPr lang="en-US"/>
-              <a:t>07 August 2024</a:t>
+              <a:t>28 August 2024</a:t>
             </a:r>
             <a:endParaRPr lang="en-US" dirty="0"/>
           </a:p>
@@ -8502,7 +8541,7 @@
           <a:p>
             <a:r>
               <a:rPr lang="en-US" dirty="0"/>
-              <a:t>07 August 2024</a:t>
+              <a:t>28 August 2024</a:t>
             </a:r>
           </a:p>
           <a:p>
@@ -8812,7 +8851,7 @@
           <a:p>
             <a:r>
               <a:rPr lang="en-US"/>
-              <a:t>07 August 2024</a:t>
+              <a:t>28 August 2024</a:t>
             </a:r>
             <a:endParaRPr lang="en-US" dirty="0"/>
           </a:p>
@@ -8972,7 +9011,7 @@
           <a:p>
             <a:r>
               <a:rPr lang="en-US"/>
-              <a:t>07 August 2024</a:t>
+              <a:t>28 August 2024</a:t>
             </a:r>
             <a:endParaRPr lang="en-US" dirty="0"/>
           </a:p>
@@ -9192,7 +9231,7 @@
           <a:p>
             <a:r>
               <a:rPr lang="en-US"/>
-              <a:t>07 August 2024</a:t>
+              <a:t>28 August 2024</a:t>
             </a:r>
             <a:endParaRPr lang="en-US" dirty="0"/>
           </a:p>
@@ -9385,7 +9424,7 @@
           <a:p>
             <a:r>
               <a:rPr lang="en-US"/>
-              <a:t>07 August 2024</a:t>
+              <a:t>28 August 2024</a:t>
             </a:r>
             <a:endParaRPr lang="en-US" dirty="0"/>
           </a:p>
@@ -9540,7 +9579,7 @@
           <a:p>
             <a:r>
               <a:rPr lang="en-US"/>
-              <a:t>07 August 2024</a:t>
+              <a:t>28 August 2024</a:t>
             </a:r>
             <a:endParaRPr lang="en-US" dirty="0"/>
           </a:p>
@@ -9681,7 +9720,7 @@
           <a:p>
             <a:r>
               <a:rPr lang="en-US"/>
-              <a:t>07 August 2024</a:t>
+              <a:t>28 August 2024</a:t>
             </a:r>
             <a:endParaRPr lang="en-US" dirty="0"/>
           </a:p>
@@ -10223,7 +10262,7 @@
           <a:p>
             <a:r>
               <a:rPr lang="en-US"/>
-              <a:t>07 August 2024</a:t>
+              <a:t>28 August 2024</a:t>
             </a:r>
             <a:endParaRPr lang="en-US" dirty="0"/>
           </a:p>
@@ -10689,7 +10728,7 @@
           <a:p>
             <a:r>
               <a:rPr lang="en-US"/>
-              <a:t>07 August 2024</a:t>
+              <a:t>28 August 2024</a:t>
             </a:r>
             <a:endParaRPr lang="en-US" dirty="0"/>
           </a:p>
@@ -10817,7 +10856,7 @@
           <a:p>
             <a:r>
               <a:rPr lang="en-US"/>
-              <a:t>07 August 2024</a:t>
+              <a:t>28 August 2024</a:t>
             </a:r>
             <a:endParaRPr lang="en-US" dirty="0"/>
           </a:p>
@@ -10945,7 +10984,7 @@
           <a:p>
             <a:r>
               <a:rPr lang="en-US"/>
-              <a:t>07 August 2024</a:t>
+              <a:t>28 August 2024</a:t>
             </a:r>
             <a:endParaRPr lang="en-US" dirty="0"/>
           </a:p>
@@ -11086,7 +11125,7 @@
           <a:p>
             <a:r>
               <a:rPr lang="en-US"/>
-              <a:t>07 August 2024</a:t>
+              <a:t>28 August 2024</a:t>
             </a:r>
             <a:endParaRPr lang="en-US" dirty="0"/>
           </a:p>
@@ -11204,7 +11243,7 @@
           <a:p>
             <a:r>
               <a:rPr lang="en-US"/>
-              <a:t>07 August 2024</a:t>
+              <a:t>28 August 2024</a:t>
             </a:r>
             <a:endParaRPr lang="en-US" dirty="0"/>
           </a:p>
